--- a/05ドキュメント/データベース/概念データモデル.pptx
+++ b/05ドキュメント/データベース/概念データモデル.pptx
@@ -243,7 +243,7 @@
           <a:p>
             <a:fld id="{671059BB-3F16-4E26-85EA-CCCF91169BF5}" type="datetimeFigureOut">
               <a:rPr kumimoji="1" lang="ja-JP" altLang="en-US" smtClean="0"/>
-              <a:t>2023/9/19</a:t>
+              <a:t>2023/9/25</a:t>
             </a:fld>
             <a:endParaRPr kumimoji="1" lang="ja-JP" altLang="en-US"/>
           </a:p>
@@ -445,7 +445,7 @@
           <a:p>
             <a:fld id="{671059BB-3F16-4E26-85EA-CCCF91169BF5}" type="datetimeFigureOut">
               <a:rPr kumimoji="1" lang="ja-JP" altLang="en-US" smtClean="0"/>
-              <a:t>2023/9/19</a:t>
+              <a:t>2023/9/25</a:t>
             </a:fld>
             <a:endParaRPr kumimoji="1" lang="ja-JP" altLang="en-US"/>
           </a:p>
@@ -657,7 +657,7 @@
           <a:p>
             <a:fld id="{671059BB-3F16-4E26-85EA-CCCF91169BF5}" type="datetimeFigureOut">
               <a:rPr kumimoji="1" lang="ja-JP" altLang="en-US" smtClean="0"/>
-              <a:t>2023/9/19</a:t>
+              <a:t>2023/9/25</a:t>
             </a:fld>
             <a:endParaRPr kumimoji="1" lang="ja-JP" altLang="en-US"/>
           </a:p>
@@ -859,7 +859,7 @@
           <a:p>
             <a:fld id="{671059BB-3F16-4E26-85EA-CCCF91169BF5}" type="datetimeFigureOut">
               <a:rPr kumimoji="1" lang="ja-JP" altLang="en-US" smtClean="0"/>
-              <a:t>2023/9/19</a:t>
+              <a:t>2023/9/25</a:t>
             </a:fld>
             <a:endParaRPr kumimoji="1" lang="ja-JP" altLang="en-US"/>
           </a:p>
@@ -1103,7 +1103,7 @@
           <a:p>
             <a:fld id="{671059BB-3F16-4E26-85EA-CCCF91169BF5}" type="datetimeFigureOut">
               <a:rPr kumimoji="1" lang="ja-JP" altLang="en-US" smtClean="0"/>
-              <a:t>2023/9/19</a:t>
+              <a:t>2023/9/25</a:t>
             </a:fld>
             <a:endParaRPr kumimoji="1" lang="ja-JP" altLang="en-US"/>
           </a:p>
@@ -1399,7 +1399,7 @@
           <a:p>
             <a:fld id="{671059BB-3F16-4E26-85EA-CCCF91169BF5}" type="datetimeFigureOut">
               <a:rPr kumimoji="1" lang="ja-JP" altLang="en-US" smtClean="0"/>
-              <a:t>2023/9/19</a:t>
+              <a:t>2023/9/25</a:t>
             </a:fld>
             <a:endParaRPr kumimoji="1" lang="ja-JP" altLang="en-US"/>
           </a:p>
@@ -1830,7 +1830,7 @@
           <a:p>
             <a:fld id="{671059BB-3F16-4E26-85EA-CCCF91169BF5}" type="datetimeFigureOut">
               <a:rPr kumimoji="1" lang="ja-JP" altLang="en-US" smtClean="0"/>
-              <a:t>2023/9/19</a:t>
+              <a:t>2023/9/25</a:t>
             </a:fld>
             <a:endParaRPr kumimoji="1" lang="ja-JP" altLang="en-US"/>
           </a:p>
@@ -1948,7 +1948,7 @@
           <a:p>
             <a:fld id="{671059BB-3F16-4E26-85EA-CCCF91169BF5}" type="datetimeFigureOut">
               <a:rPr kumimoji="1" lang="ja-JP" altLang="en-US" smtClean="0"/>
-              <a:t>2023/9/19</a:t>
+              <a:t>2023/9/25</a:t>
             </a:fld>
             <a:endParaRPr kumimoji="1" lang="ja-JP" altLang="en-US"/>
           </a:p>
@@ -2043,7 +2043,7 @@
           <a:p>
             <a:fld id="{671059BB-3F16-4E26-85EA-CCCF91169BF5}" type="datetimeFigureOut">
               <a:rPr kumimoji="1" lang="ja-JP" altLang="en-US" smtClean="0"/>
-              <a:t>2023/9/19</a:t>
+              <a:t>2023/9/25</a:t>
             </a:fld>
             <a:endParaRPr kumimoji="1" lang="ja-JP" altLang="en-US"/>
           </a:p>
@@ -2352,7 +2352,7 @@
           <a:p>
             <a:fld id="{671059BB-3F16-4E26-85EA-CCCF91169BF5}" type="datetimeFigureOut">
               <a:rPr kumimoji="1" lang="ja-JP" altLang="en-US" smtClean="0"/>
-              <a:t>2023/9/19</a:t>
+              <a:t>2023/9/25</a:t>
             </a:fld>
             <a:endParaRPr kumimoji="1" lang="ja-JP" altLang="en-US"/>
           </a:p>
@@ -2609,7 +2609,7 @@
           <a:p>
             <a:fld id="{671059BB-3F16-4E26-85EA-CCCF91169BF5}" type="datetimeFigureOut">
               <a:rPr kumimoji="1" lang="ja-JP" altLang="en-US" smtClean="0"/>
-              <a:t>2023/9/19</a:t>
+              <a:t>2023/9/25</a:t>
             </a:fld>
             <a:endParaRPr kumimoji="1" lang="ja-JP" altLang="en-US"/>
           </a:p>
@@ -2854,7 +2854,7 @@
           <a:p>
             <a:fld id="{671059BB-3F16-4E26-85EA-CCCF91169BF5}" type="datetimeFigureOut">
               <a:rPr kumimoji="1" lang="ja-JP" altLang="en-US" smtClean="0"/>
-              <a:t>2023/9/19</a:t>
+              <a:t>2023/9/25</a:t>
             </a:fld>
             <a:endParaRPr kumimoji="1" lang="ja-JP" altLang="en-US"/>
           </a:p>
@@ -4288,14 +4288,14 @@
           <p:nvPr>
             <p:extLst>
               <p:ext uri="{D42A27DB-BD31-4B8C-83A1-F6EECF244321}">
-                <p14:modId xmlns:p14="http://schemas.microsoft.com/office/powerpoint/2010/main" val="3300870445"/>
+                <p14:modId xmlns:p14="http://schemas.microsoft.com/office/powerpoint/2010/main" val="4236374001"/>
               </p:ext>
             </p:extLst>
           </p:nvPr>
         </p:nvGraphicFramePr>
         <p:xfrm>
           <a:off x="11566725" y="8237391"/>
-          <a:ext cx="2660606" cy="1706880"/>
+          <a:ext cx="2660606" cy="1402080"/>
         </p:xfrm>
         <a:graphic>
           <a:graphicData uri="http://schemas.openxmlformats.org/drawingml/2006/table">
@@ -4453,42 +4453,6 @@
                         </a:rPr>
                         <a:t>ID(FK)</a:t>
                       </a:r>
-                      <a:br>
-                        <a:rPr lang="ja-JP" altLang="en-US" sz="2000" dirty="0">
-                          <a:effectLst/>
-                          <a:latin typeface="ＭＳ ゴシック" panose="020B0609070205080204" pitchFamily="49" charset="-128"/>
-                          <a:ea typeface="ＭＳ ゴシック" panose="020B0609070205080204" pitchFamily="49" charset="-128"/>
-                        </a:rPr>
-                      </a:br>
-                      <a:r>
-                        <a:rPr lang="ja-JP" altLang="en-US" sz="2000" dirty="0">
-                          <a:effectLst/>
-                          <a:latin typeface="ＭＳ ゴシック" panose="020B0609070205080204" pitchFamily="49" charset="-128"/>
-                          <a:ea typeface="ＭＳ ゴシック" panose="020B0609070205080204" pitchFamily="49" charset="-128"/>
-                        </a:rPr>
-                        <a:t> </a:t>
-                      </a:r>
-                      <a:r>
-                        <a:rPr lang="en-US" altLang="ja-JP" sz="2000" dirty="0">
-                          <a:effectLst/>
-                          <a:latin typeface="ＭＳ ゴシック" panose="020B0609070205080204" pitchFamily="49" charset="-128"/>
-                          <a:ea typeface="ＭＳ ゴシック" panose="020B0609070205080204" pitchFamily="49" charset="-128"/>
-                        </a:rPr>
-                        <a:t>*</a:t>
-                      </a:r>
-                      <a:r>
-                        <a:rPr lang="ja-JP" altLang="en-US" sz="2000" dirty="0">
-                          <a:effectLst/>
-                          <a:latin typeface="ＭＳ ゴシック" panose="020B0609070205080204" pitchFamily="49" charset="-128"/>
-                          <a:ea typeface="ＭＳ ゴシック" panose="020B0609070205080204" pitchFamily="49" charset="-128"/>
-                        </a:rPr>
-                        <a:t> 表示順序</a:t>
-                      </a:r>
-                      <a:endParaRPr lang="en-US" altLang="ja-JP" sz="2000" dirty="0">
-                        <a:effectLst/>
-                        <a:latin typeface="ＭＳ ゴシック" panose="020B0609070205080204" pitchFamily="49" charset="-128"/>
-                        <a:ea typeface="ＭＳ ゴシック" panose="020B0609070205080204" pitchFamily="49" charset="-128"/>
-                      </a:endParaRPr>
                     </a:p>
                     <a:p>
                       <a:r>
@@ -5609,51 +5573,6 @@
       </p:cxnSp>
       <p:cxnSp>
         <p:nvCxnSpPr>
-          <p:cNvPr id="52" name="直線矢印コネクタ 51">
-            <a:extLst>
-              <a:ext uri="{FF2B5EF4-FFF2-40B4-BE49-F238E27FC236}">
-                <a16:creationId xmlns:a16="http://schemas.microsoft.com/office/drawing/2014/main" id="{30927AE1-3CC4-4730-8F8D-ED762583867F}"/>
-              </a:ext>
-            </a:extLst>
-          </p:cNvPr>
-          <p:cNvCxnSpPr>
-            <a:cxnSpLocks/>
-          </p:cNvCxnSpPr>
-          <p:nvPr/>
-        </p:nvCxnSpPr>
-        <p:spPr>
-          <a:xfrm flipH="1" flipV="1">
-            <a:off x="10143547" y="6966706"/>
-            <a:ext cx="2043787" cy="1277461"/>
-          </a:xfrm>
-          <a:prstGeom prst="straightConnector1">
-            <a:avLst/>
-          </a:prstGeom>
-          <a:ln w="38100" cmpd="sng">
-            <a:solidFill>
-              <a:schemeClr val="tx1"/>
-            </a:solidFill>
-            <a:headEnd type="arrow" w="lg" len="lg"/>
-            <a:tailEnd type="none" w="lg" len="lg"/>
-          </a:ln>
-        </p:spPr>
-        <p:style>
-          <a:lnRef idx="1">
-            <a:schemeClr val="accent1"/>
-          </a:lnRef>
-          <a:fillRef idx="0">
-            <a:schemeClr val="accent1"/>
-          </a:fillRef>
-          <a:effectRef idx="0">
-            <a:schemeClr val="accent1"/>
-          </a:effectRef>
-          <a:fontRef idx="minor">
-            <a:schemeClr val="tx1"/>
-          </a:fontRef>
-        </p:style>
-      </p:cxnSp>
-      <p:cxnSp>
-        <p:nvCxnSpPr>
           <p:cNvPr id="55" name="直線矢印コネクタ 54">
             <a:extLst>
               <a:ext uri="{FF2B5EF4-FFF2-40B4-BE49-F238E27FC236}">
@@ -5712,14 +5631,14 @@
           <p:nvPr>
             <p:extLst>
               <p:ext uri="{D42A27DB-BD31-4B8C-83A1-F6EECF244321}">
-                <p14:modId xmlns:p14="http://schemas.microsoft.com/office/powerpoint/2010/main" val="174508188"/>
+                <p14:modId xmlns:p14="http://schemas.microsoft.com/office/powerpoint/2010/main" val="3279786538"/>
               </p:ext>
             </p:extLst>
           </p:nvPr>
         </p:nvGraphicFramePr>
         <p:xfrm>
           <a:off x="332591" y="1368844"/>
-          <a:ext cx="2660606" cy="1402080"/>
+          <a:ext cx="2660606" cy="1097280"/>
         </p:xfrm>
         <a:graphic>
           <a:graphicData uri="http://schemas.openxmlformats.org/drawingml/2006/table">
@@ -5843,42 +5762,6 @@
                         </a:rPr>
                         <a:t>ID(PK)</a:t>
                       </a:r>
-                      <a:br>
-                        <a:rPr lang="ja-JP" altLang="en-US" sz="2000" dirty="0">
-                          <a:effectLst/>
-                          <a:latin typeface="ＭＳ ゴシック" panose="020B0609070205080204" pitchFamily="49" charset="-128"/>
-                          <a:ea typeface="ＭＳ ゴシック" panose="020B0609070205080204" pitchFamily="49" charset="-128"/>
-                        </a:rPr>
-                      </a:br>
-                      <a:r>
-                        <a:rPr lang="ja-JP" altLang="en-US" sz="2000" dirty="0">
-                          <a:effectLst/>
-                          <a:latin typeface="ＭＳ ゴシック" panose="020B0609070205080204" pitchFamily="49" charset="-128"/>
-                          <a:ea typeface="ＭＳ ゴシック" panose="020B0609070205080204" pitchFamily="49" charset="-128"/>
-                        </a:rPr>
-                        <a:t> </a:t>
-                      </a:r>
-                      <a:r>
-                        <a:rPr lang="en-US" altLang="ja-JP" sz="2000" dirty="0">
-                          <a:effectLst/>
-                          <a:latin typeface="ＭＳ ゴシック" panose="020B0609070205080204" pitchFamily="49" charset="-128"/>
-                          <a:ea typeface="ＭＳ ゴシック" panose="020B0609070205080204" pitchFamily="49" charset="-128"/>
-                        </a:rPr>
-                        <a:t>*</a:t>
-                      </a:r>
-                      <a:r>
-                        <a:rPr lang="ja-JP" altLang="en-US" sz="2000" dirty="0">
-                          <a:effectLst/>
-                          <a:latin typeface="ＭＳ ゴシック" panose="020B0609070205080204" pitchFamily="49" charset="-128"/>
-                          <a:ea typeface="ＭＳ ゴシック" panose="020B0609070205080204" pitchFamily="49" charset="-128"/>
-                        </a:rPr>
-                        <a:t> 表示順序</a:t>
-                      </a:r>
-                      <a:endParaRPr lang="en-US" altLang="ja-JP" sz="2000" dirty="0">
-                        <a:effectLst/>
-                        <a:latin typeface="ＭＳ ゴシック" panose="020B0609070205080204" pitchFamily="49" charset="-128"/>
-                        <a:ea typeface="ＭＳ ゴシック" panose="020B0609070205080204" pitchFamily="49" charset="-128"/>
-                      </a:endParaRPr>
                     </a:p>
                     <a:p>
                       <a:r>
@@ -5978,14 +5861,14 @@
           <p:nvPr>
             <p:extLst>
               <p:ext uri="{D42A27DB-BD31-4B8C-83A1-F6EECF244321}">
-                <p14:modId xmlns:p14="http://schemas.microsoft.com/office/powerpoint/2010/main" val="1981932759"/>
+                <p14:modId xmlns:p14="http://schemas.microsoft.com/office/powerpoint/2010/main" val="1781388848"/>
               </p:ext>
             </p:extLst>
           </p:nvPr>
         </p:nvGraphicFramePr>
         <p:xfrm>
           <a:off x="4142141" y="1368844"/>
-          <a:ext cx="2664394" cy="1402080"/>
+          <a:ext cx="2664394" cy="1097280"/>
         </p:xfrm>
         <a:graphic>
           <a:graphicData uri="http://schemas.openxmlformats.org/drawingml/2006/table">
@@ -6109,42 +5992,6 @@
                         </a:rPr>
                         <a:t>ID(PK)</a:t>
                       </a:r>
-                      <a:br>
-                        <a:rPr lang="ja-JP" altLang="en-US" sz="2000" dirty="0">
-                          <a:effectLst/>
-                          <a:latin typeface="ＭＳ ゴシック" panose="020B0609070205080204" pitchFamily="49" charset="-128"/>
-                          <a:ea typeface="ＭＳ ゴシック" panose="020B0609070205080204" pitchFamily="49" charset="-128"/>
-                        </a:rPr>
-                      </a:br>
-                      <a:r>
-                        <a:rPr lang="ja-JP" altLang="en-US" sz="2000" dirty="0">
-                          <a:effectLst/>
-                          <a:latin typeface="ＭＳ ゴシック" panose="020B0609070205080204" pitchFamily="49" charset="-128"/>
-                          <a:ea typeface="ＭＳ ゴシック" panose="020B0609070205080204" pitchFamily="49" charset="-128"/>
-                        </a:rPr>
-                        <a:t> </a:t>
-                      </a:r>
-                      <a:r>
-                        <a:rPr lang="en-US" altLang="ja-JP" sz="2000" dirty="0">
-                          <a:effectLst/>
-                          <a:latin typeface="ＭＳ ゴシック" panose="020B0609070205080204" pitchFamily="49" charset="-128"/>
-                          <a:ea typeface="ＭＳ ゴシック" panose="020B0609070205080204" pitchFamily="49" charset="-128"/>
-                        </a:rPr>
-                        <a:t>o</a:t>
-                      </a:r>
-                      <a:r>
-                        <a:rPr lang="ja-JP" altLang="en-US" sz="2000" dirty="0">
-                          <a:effectLst/>
-                          <a:latin typeface="ＭＳ ゴシック" panose="020B0609070205080204" pitchFamily="49" charset="-128"/>
-                          <a:ea typeface="ＭＳ ゴシック" panose="020B0609070205080204" pitchFamily="49" charset="-128"/>
-                        </a:rPr>
-                        <a:t> 表示順序</a:t>
-                      </a:r>
-                      <a:endParaRPr lang="en-US" altLang="ja-JP" sz="2000" dirty="0">
-                        <a:effectLst/>
-                        <a:latin typeface="ＭＳ ゴシック" panose="020B0609070205080204" pitchFamily="49" charset="-128"/>
-                        <a:ea typeface="ＭＳ ゴシック" panose="020B0609070205080204" pitchFamily="49" charset="-128"/>
-                      </a:endParaRPr>
                     </a:p>
                     <a:p>
                       <a:r>
@@ -6247,8 +6094,8 @@
         </p:nvCxnSpPr>
         <p:spPr>
           <a:xfrm flipV="1">
-            <a:off x="1657921" y="2770924"/>
-            <a:ext cx="3816417" cy="1865662"/>
+            <a:off x="1657921" y="2466124"/>
+            <a:ext cx="3816417" cy="2170462"/>
           </a:xfrm>
           <a:prstGeom prst="line">
             <a:avLst/>
@@ -6288,8 +6135,8 @@
         </p:nvCxnSpPr>
         <p:spPr>
           <a:xfrm flipH="1">
-            <a:off x="1657921" y="2770924"/>
-            <a:ext cx="4973" cy="1865662"/>
+            <a:off x="1657921" y="2466124"/>
+            <a:ext cx="4973" cy="2170462"/>
           </a:xfrm>
           <a:prstGeom prst="line">
             <a:avLst/>
@@ -6528,6 +6375,46 @@
           </a:graphicData>
         </a:graphic>
       </p:graphicFrame>
+      <p:cxnSp>
+        <p:nvCxnSpPr>
+          <p:cNvPr id="3" name="直線コネクタ 2">
+            <a:extLst>
+              <a:ext uri="{FF2B5EF4-FFF2-40B4-BE49-F238E27FC236}">
+                <a16:creationId xmlns:a16="http://schemas.microsoft.com/office/drawing/2014/main" id="{A79FD480-882E-0322-6983-099595933064}"/>
+              </a:ext>
+            </a:extLst>
+          </p:cNvPr>
+          <p:cNvCxnSpPr>
+            <a:cxnSpLocks/>
+            <a:endCxn id="33" idx="0"/>
+          </p:cNvCxnSpPr>
+          <p:nvPr/>
+        </p:nvCxnSpPr>
+        <p:spPr>
+          <a:xfrm>
+            <a:off x="10113045" y="6975877"/>
+            <a:ext cx="2783983" cy="1261514"/>
+          </a:xfrm>
+          <a:prstGeom prst="line">
+            <a:avLst/>
+          </a:prstGeom>
+          <a:ln w="38100"/>
+        </p:spPr>
+        <p:style>
+          <a:lnRef idx="1">
+            <a:schemeClr val="dk1"/>
+          </a:lnRef>
+          <a:fillRef idx="0">
+            <a:schemeClr val="dk1"/>
+          </a:fillRef>
+          <a:effectRef idx="0">
+            <a:schemeClr val="dk1"/>
+          </a:effectRef>
+          <a:fontRef idx="minor">
+            <a:schemeClr val="tx1"/>
+          </a:fontRef>
+        </p:style>
+      </p:cxnSp>
     </p:spTree>
     <p:extLst>
       <p:ext uri="{BB962C8B-B14F-4D97-AF65-F5344CB8AC3E}">

--- a/05ドキュメント/データベース/概念データモデル.pptx
+++ b/05ドキュメント/データベース/概念データモデル.pptx
@@ -6158,223 +6158,6 @@
           </a:fontRef>
         </p:style>
       </p:cxnSp>
-      <p:graphicFrame>
-        <p:nvGraphicFramePr>
-          <p:cNvPr id="30" name="表 29">
-            <a:extLst>
-              <a:ext uri="{FF2B5EF4-FFF2-40B4-BE49-F238E27FC236}">
-                <a16:creationId xmlns:a16="http://schemas.microsoft.com/office/drawing/2014/main" id="{37F80985-4F30-E39E-15A5-BE977C78E2A3}"/>
-              </a:ext>
-            </a:extLst>
-          </p:cNvPr>
-          <p:cNvGraphicFramePr>
-            <a:graphicFrameLocks noGrp="1"/>
-          </p:cNvGraphicFramePr>
-          <p:nvPr>
-            <p:extLst>
-              <p:ext uri="{D42A27DB-BD31-4B8C-83A1-F6EECF244321}">
-                <p14:modId xmlns:p14="http://schemas.microsoft.com/office/powerpoint/2010/main" val="105349331"/>
-              </p:ext>
-            </p:extLst>
-          </p:nvPr>
-        </p:nvGraphicFramePr>
-        <p:xfrm>
-          <a:off x="878121" y="7783694"/>
-          <a:ext cx="2660606" cy="1706880"/>
-        </p:xfrm>
-        <a:graphic>
-          <a:graphicData uri="http://schemas.openxmlformats.org/drawingml/2006/table">
-            <a:tbl>
-              <a:tblPr firstRow="1" bandRow="1">
-                <a:tableStyleId>{5C22544A-7EE6-4342-B048-85BDC9FD1C3A}</a:tableStyleId>
-              </a:tblPr>
-              <a:tblGrid>
-                <a:gridCol w="2660606">
-                  <a:extLst>
-                    <a:ext uri="{9D8B030D-6E8A-4147-A177-3AD203B41FA5}">
-                      <a16:colId xmlns:a16="http://schemas.microsoft.com/office/drawing/2014/main" val="20000"/>
-                    </a:ext>
-                  </a:extLst>
-                </a:gridCol>
-              </a:tblGrid>
-              <a:tr h="185090">
-                <a:tc>
-                  <a:txBody>
-                    <a:bodyPr/>
-                    <a:lstStyle/>
-                    <a:p>
-                      <a:pPr algn="ctr"/>
-                      <a:endParaRPr kumimoji="1" lang="en-US" altLang="ja-JP" sz="2000" b="0" dirty="0">
-                        <a:solidFill>
-                          <a:schemeClr val="tx1"/>
-                        </a:solidFill>
-                        <a:latin typeface="ＭＳ ゴシック" panose="020B0609070205080204" pitchFamily="49" charset="-128"/>
-                        <a:ea typeface="ＭＳ ゴシック" panose="020B0609070205080204" pitchFamily="49" charset="-128"/>
-                      </a:endParaRPr>
-                    </a:p>
-                  </a:txBody>
-                  <a:tcPr>
-                    <a:lnL w="12700" cap="flat" cmpd="sng" algn="ctr">
-                      <a:solidFill>
-                        <a:schemeClr val="tx1"/>
-                      </a:solidFill>
-                      <a:prstDash val="solid"/>
-                      <a:round/>
-                      <a:headEnd type="none" w="med" len="med"/>
-                      <a:tailEnd type="none" w="med" len="med"/>
-                    </a:lnL>
-                    <a:lnR w="12700" cap="flat" cmpd="sng" algn="ctr">
-                      <a:solidFill>
-                        <a:schemeClr val="tx1"/>
-                      </a:solidFill>
-                      <a:prstDash val="solid"/>
-                      <a:round/>
-                      <a:headEnd type="none" w="med" len="med"/>
-                      <a:tailEnd type="none" w="med" len="med"/>
-                    </a:lnR>
-                    <a:lnT w="12700" cap="flat" cmpd="sng" algn="ctr">
-                      <a:solidFill>
-                        <a:schemeClr val="tx1"/>
-                      </a:solidFill>
-                      <a:prstDash val="solid"/>
-                      <a:round/>
-                      <a:headEnd type="none" w="med" len="med"/>
-                      <a:tailEnd type="none" w="med" len="med"/>
-                    </a:lnT>
-                    <a:lnB w="12700" cap="flat" cmpd="sng" algn="ctr">
-                      <a:solidFill>
-                        <a:schemeClr val="tx1"/>
-                      </a:solidFill>
-                      <a:prstDash val="solid"/>
-                      <a:round/>
-                      <a:headEnd type="none" w="med" len="med"/>
-                      <a:tailEnd type="none" w="med" len="med"/>
-                    </a:lnB>
-                    <a:solidFill>
-                      <a:schemeClr val="accent5">
-                        <a:lumMod val="40000"/>
-                        <a:lumOff val="60000"/>
-                      </a:schemeClr>
-                    </a:solidFill>
-                  </a:tcPr>
-                </a:tc>
-                <a:extLst>
-                  <a:ext uri="{0D108BD9-81ED-4DB2-BD59-A6C34878D82A}">
-                    <a16:rowId xmlns:a16="http://schemas.microsoft.com/office/drawing/2014/main" val="10000"/>
-                  </a:ext>
-                </a:extLst>
-              </a:tr>
-              <a:tr h="401802">
-                <a:tc>
-                  <a:txBody>
-                    <a:bodyPr/>
-                    <a:lstStyle/>
-                    <a:p>
-                      <a:r>
-                        <a:rPr kumimoji="1" lang="ja-JP" altLang="en-US" sz="2000" b="0" dirty="0">
-                          <a:latin typeface="ＭＳ ゴシック" pitchFamily="49" charset="-128"/>
-                          <a:ea typeface="ＭＳ ゴシック" pitchFamily="49" charset="-128"/>
-                        </a:rPr>
-                        <a:t>ユーザ</a:t>
-                      </a:r>
-                      <a:r>
-                        <a:rPr kumimoji="1" lang="en-US" altLang="ja-JP" sz="2000" b="0" dirty="0">
-                          <a:latin typeface="ＭＳ ゴシック" pitchFamily="49" charset="-128"/>
-                          <a:ea typeface="ＭＳ ゴシック" pitchFamily="49" charset="-128"/>
-                        </a:rPr>
-                        <a:t>ID</a:t>
-                      </a:r>
-                      <a:r>
-                        <a:rPr kumimoji="1" lang="ja-JP" altLang="en-US" sz="2000" b="0" dirty="0">
-                          <a:latin typeface="ＭＳ ゴシック" pitchFamily="49" charset="-128"/>
-                          <a:ea typeface="ＭＳ ゴシック" pitchFamily="49" charset="-128"/>
-                        </a:rPr>
-                        <a:t>要らない</a:t>
-                      </a:r>
-                      <a:endParaRPr kumimoji="1" lang="en-US" altLang="ja-JP" sz="2000" b="0" dirty="0">
-                        <a:latin typeface="ＭＳ ゴシック" pitchFamily="49" charset="-128"/>
-                        <a:ea typeface="ＭＳ ゴシック" pitchFamily="49" charset="-128"/>
-                      </a:endParaRPr>
-                    </a:p>
-                    <a:p>
-                      <a:r>
-                        <a:rPr kumimoji="1" lang="ja-JP" altLang="en-US" sz="2000" b="0" dirty="0">
-                          <a:latin typeface="ＭＳ ゴシック" pitchFamily="49" charset="-128"/>
-                          <a:ea typeface="ＭＳ ゴシック" pitchFamily="49" charset="-128"/>
-                        </a:rPr>
-                        <a:t>メールアドレスに。</a:t>
-                      </a:r>
-                      <a:endParaRPr kumimoji="1" lang="en-US" altLang="ja-JP" sz="2000" b="0" dirty="0">
-                        <a:latin typeface="ＭＳ ゴシック" pitchFamily="49" charset="-128"/>
-                        <a:ea typeface="ＭＳ ゴシック" pitchFamily="49" charset="-128"/>
-                      </a:endParaRPr>
-                    </a:p>
-                    <a:p>
-                      <a:r>
-                        <a:rPr kumimoji="1" lang="ja-JP" altLang="en-US" sz="2000" b="0" dirty="0">
-                          <a:latin typeface="ＭＳ ゴシック" pitchFamily="49" charset="-128"/>
-                          <a:ea typeface="ＭＳ ゴシック" pitchFamily="49" charset="-128"/>
-                        </a:rPr>
-                        <a:t>メールアドレス重複防止</a:t>
-                      </a:r>
-                      <a:endParaRPr kumimoji="1" lang="en-US" altLang="ja-JP" sz="2000" b="0" dirty="0">
-                        <a:latin typeface="ＭＳ ゴシック" pitchFamily="49" charset="-128"/>
-                        <a:ea typeface="ＭＳ ゴシック" pitchFamily="49" charset="-128"/>
-                      </a:endParaRPr>
-                    </a:p>
-                  </a:txBody>
-                  <a:tcPr>
-                    <a:lnL w="12700" cap="flat" cmpd="sng" algn="ctr">
-                      <a:solidFill>
-                        <a:schemeClr val="tx1"/>
-                      </a:solidFill>
-                      <a:prstDash val="solid"/>
-                      <a:round/>
-                      <a:headEnd type="none" w="med" len="med"/>
-                      <a:tailEnd type="none" w="med" len="med"/>
-                    </a:lnL>
-                    <a:lnR w="12700" cap="flat" cmpd="sng" algn="ctr">
-                      <a:solidFill>
-                        <a:schemeClr val="tx1"/>
-                      </a:solidFill>
-                      <a:prstDash val="solid"/>
-                      <a:round/>
-                      <a:headEnd type="none" w="med" len="med"/>
-                      <a:tailEnd type="none" w="med" len="med"/>
-                    </a:lnR>
-                    <a:lnT w="12700" cap="flat" cmpd="sng" algn="ctr">
-                      <a:solidFill>
-                        <a:schemeClr val="tx1"/>
-                      </a:solidFill>
-                      <a:prstDash val="solid"/>
-                      <a:round/>
-                      <a:headEnd type="none" w="med" len="med"/>
-                      <a:tailEnd type="none" w="med" len="med"/>
-                    </a:lnT>
-                    <a:lnB w="12700" cap="flat" cmpd="sng" algn="ctr">
-                      <a:solidFill>
-                        <a:schemeClr val="tx1"/>
-                      </a:solidFill>
-                      <a:prstDash val="solid"/>
-                      <a:round/>
-                      <a:headEnd type="none" w="med" len="med"/>
-                      <a:tailEnd type="none" w="med" len="med"/>
-                    </a:lnB>
-                    <a:solidFill>
-                      <a:schemeClr val="bg1"/>
-                    </a:solidFill>
-                  </a:tcPr>
-                </a:tc>
-                <a:extLst>
-                  <a:ext uri="{0D108BD9-81ED-4DB2-BD59-A6C34878D82A}">
-                    <a16:rowId xmlns:a16="http://schemas.microsoft.com/office/drawing/2014/main" val="10001"/>
-                  </a:ext>
-                </a:extLst>
-              </a:tr>
-            </a:tbl>
-          </a:graphicData>
-        </a:graphic>
-      </p:graphicFrame>
       <p:cxnSp>
         <p:nvCxnSpPr>
           <p:cNvPr id="3" name="直線コネクタ 2">

--- a/05ドキュメント/データベース/概念データモデル.pptx
+++ b/05ドキュメント/データベース/概念データモデル.pptx
@@ -243,7 +243,7 @@
           <a:p>
             <a:fld id="{671059BB-3F16-4E26-85EA-CCCF91169BF5}" type="datetimeFigureOut">
               <a:rPr kumimoji="1" lang="ja-JP" altLang="en-US" smtClean="0"/>
-              <a:t>2023/9/25</a:t>
+              <a:t>2023/9/26</a:t>
             </a:fld>
             <a:endParaRPr kumimoji="1" lang="ja-JP" altLang="en-US"/>
           </a:p>
@@ -445,7 +445,7 @@
           <a:p>
             <a:fld id="{671059BB-3F16-4E26-85EA-CCCF91169BF5}" type="datetimeFigureOut">
               <a:rPr kumimoji="1" lang="ja-JP" altLang="en-US" smtClean="0"/>
-              <a:t>2023/9/25</a:t>
+              <a:t>2023/9/26</a:t>
             </a:fld>
             <a:endParaRPr kumimoji="1" lang="ja-JP" altLang="en-US"/>
           </a:p>
@@ -657,7 +657,7 @@
           <a:p>
             <a:fld id="{671059BB-3F16-4E26-85EA-CCCF91169BF5}" type="datetimeFigureOut">
               <a:rPr kumimoji="1" lang="ja-JP" altLang="en-US" smtClean="0"/>
-              <a:t>2023/9/25</a:t>
+              <a:t>2023/9/26</a:t>
             </a:fld>
             <a:endParaRPr kumimoji="1" lang="ja-JP" altLang="en-US"/>
           </a:p>
@@ -859,7 +859,7 @@
           <a:p>
             <a:fld id="{671059BB-3F16-4E26-85EA-CCCF91169BF5}" type="datetimeFigureOut">
               <a:rPr kumimoji="1" lang="ja-JP" altLang="en-US" smtClean="0"/>
-              <a:t>2023/9/25</a:t>
+              <a:t>2023/9/26</a:t>
             </a:fld>
             <a:endParaRPr kumimoji="1" lang="ja-JP" altLang="en-US"/>
           </a:p>
@@ -1103,7 +1103,7 @@
           <a:p>
             <a:fld id="{671059BB-3F16-4E26-85EA-CCCF91169BF5}" type="datetimeFigureOut">
               <a:rPr kumimoji="1" lang="ja-JP" altLang="en-US" smtClean="0"/>
-              <a:t>2023/9/25</a:t>
+              <a:t>2023/9/26</a:t>
             </a:fld>
             <a:endParaRPr kumimoji="1" lang="ja-JP" altLang="en-US"/>
           </a:p>
@@ -1399,7 +1399,7 @@
           <a:p>
             <a:fld id="{671059BB-3F16-4E26-85EA-CCCF91169BF5}" type="datetimeFigureOut">
               <a:rPr kumimoji="1" lang="ja-JP" altLang="en-US" smtClean="0"/>
-              <a:t>2023/9/25</a:t>
+              <a:t>2023/9/26</a:t>
             </a:fld>
             <a:endParaRPr kumimoji="1" lang="ja-JP" altLang="en-US"/>
           </a:p>
@@ -1830,7 +1830,7 @@
           <a:p>
             <a:fld id="{671059BB-3F16-4E26-85EA-CCCF91169BF5}" type="datetimeFigureOut">
               <a:rPr kumimoji="1" lang="ja-JP" altLang="en-US" smtClean="0"/>
-              <a:t>2023/9/25</a:t>
+              <a:t>2023/9/26</a:t>
             </a:fld>
             <a:endParaRPr kumimoji="1" lang="ja-JP" altLang="en-US"/>
           </a:p>
@@ -1948,7 +1948,7 @@
           <a:p>
             <a:fld id="{671059BB-3F16-4E26-85EA-CCCF91169BF5}" type="datetimeFigureOut">
               <a:rPr kumimoji="1" lang="ja-JP" altLang="en-US" smtClean="0"/>
-              <a:t>2023/9/25</a:t>
+              <a:t>2023/9/26</a:t>
             </a:fld>
             <a:endParaRPr kumimoji="1" lang="ja-JP" altLang="en-US"/>
           </a:p>
@@ -2043,7 +2043,7 @@
           <a:p>
             <a:fld id="{671059BB-3F16-4E26-85EA-CCCF91169BF5}" type="datetimeFigureOut">
               <a:rPr kumimoji="1" lang="ja-JP" altLang="en-US" smtClean="0"/>
-              <a:t>2023/9/25</a:t>
+              <a:t>2023/9/26</a:t>
             </a:fld>
             <a:endParaRPr kumimoji="1" lang="ja-JP" altLang="en-US"/>
           </a:p>
@@ -2352,7 +2352,7 @@
           <a:p>
             <a:fld id="{671059BB-3F16-4E26-85EA-CCCF91169BF5}" type="datetimeFigureOut">
               <a:rPr kumimoji="1" lang="ja-JP" altLang="en-US" smtClean="0"/>
-              <a:t>2023/9/25</a:t>
+              <a:t>2023/9/26</a:t>
             </a:fld>
             <a:endParaRPr kumimoji="1" lang="ja-JP" altLang="en-US"/>
           </a:p>
@@ -2609,7 +2609,7 @@
           <a:p>
             <a:fld id="{671059BB-3F16-4E26-85EA-CCCF91169BF5}" type="datetimeFigureOut">
               <a:rPr kumimoji="1" lang="ja-JP" altLang="en-US" smtClean="0"/>
-              <a:t>2023/9/25</a:t>
+              <a:t>2023/9/26</a:t>
             </a:fld>
             <a:endParaRPr kumimoji="1" lang="ja-JP" altLang="en-US"/>
           </a:p>
@@ -2854,7 +2854,7 @@
           <a:p>
             <a:fld id="{671059BB-3F16-4E26-85EA-CCCF91169BF5}" type="datetimeFigureOut">
               <a:rPr kumimoji="1" lang="ja-JP" altLang="en-US" smtClean="0"/>
-              <a:t>2023/9/25</a:t>
+              <a:t>2023/9/26</a:t>
             </a:fld>
             <a:endParaRPr kumimoji="1" lang="ja-JP" altLang="en-US"/>
           </a:p>
@@ -3627,13 +3627,13 @@
           <p:nvPr>
             <p:extLst>
               <p:ext uri="{D42A27DB-BD31-4B8C-83A1-F6EECF244321}">
-                <p14:modId xmlns:p14="http://schemas.microsoft.com/office/powerpoint/2010/main" val="2784557558"/>
+                <p14:modId xmlns:p14="http://schemas.microsoft.com/office/powerpoint/2010/main" val="2736081831"/>
               </p:ext>
             </p:extLst>
           </p:nvPr>
         </p:nvGraphicFramePr>
         <p:xfrm>
-          <a:off x="4145929" y="8231939"/>
+          <a:off x="7857274" y="9143749"/>
           <a:ext cx="2660606" cy="1706880"/>
         </p:xfrm>
         <a:graphic>
@@ -3927,14 +3927,14 @@
           <p:nvPr>
             <p:extLst>
               <p:ext uri="{D42A27DB-BD31-4B8C-83A1-F6EECF244321}">
-                <p14:modId xmlns:p14="http://schemas.microsoft.com/office/powerpoint/2010/main" val="2485163751"/>
+                <p14:modId xmlns:p14="http://schemas.microsoft.com/office/powerpoint/2010/main" val="3975816002"/>
               </p:ext>
             </p:extLst>
           </p:nvPr>
         </p:nvGraphicFramePr>
         <p:xfrm>
           <a:off x="7855381" y="4636586"/>
-          <a:ext cx="2664393" cy="2339291"/>
+          <a:ext cx="2664393" cy="2948891"/>
         </p:xfrm>
         <a:graphic>
           <a:graphicData uri="http://schemas.openxmlformats.org/drawingml/2006/table">
@@ -4095,41 +4095,30 @@
                     </a:p>
                     <a:p>
                       <a:r>
-                        <a:rPr kumimoji="1" lang="ja-JP" altLang="en-US" sz="2000" b="0" dirty="0">
-                          <a:effectLst/>
-                          <a:latin typeface="ＭＳ ゴシック" panose="020B0609070205080204" pitchFamily="49" charset="-128"/>
-                          <a:ea typeface="ＭＳ ゴシック" panose="020B0609070205080204" pitchFamily="49" charset="-128"/>
-                        </a:rPr>
-                        <a:t> </a:t>
-                      </a:r>
-                      <a:r>
-                        <a:rPr kumimoji="1" lang="en-US" altLang="ja-JP" sz="2000" b="0" dirty="0">
-                          <a:effectLst/>
-                          <a:latin typeface="ＭＳ ゴシック" panose="020B0609070205080204" pitchFamily="49" charset="-128"/>
-                          <a:ea typeface="ＭＳ ゴシック" panose="020B0609070205080204" pitchFamily="49" charset="-128"/>
-                        </a:rPr>
-                        <a:t>* </a:t>
-                      </a:r>
-                      <a:r>
-                        <a:rPr kumimoji="1" lang="ja-JP" altLang="en-US" sz="2000" b="0" dirty="0">
-                          <a:effectLst/>
-                          <a:latin typeface="ＭＳ ゴシック" panose="020B0609070205080204" pitchFamily="49" charset="-128"/>
-                          <a:ea typeface="ＭＳ ゴシック" panose="020B0609070205080204" pitchFamily="49" charset="-128"/>
-                        </a:rPr>
-                        <a:t>地域</a:t>
-                      </a:r>
-                      <a:r>
-                        <a:rPr kumimoji="1" lang="en-US" altLang="ja-JP" sz="2000" b="0" dirty="0">
-                          <a:effectLst/>
-                          <a:latin typeface="ＭＳ ゴシック" panose="020B0609070205080204" pitchFamily="49" charset="-128"/>
-                          <a:ea typeface="ＭＳ ゴシック" panose="020B0609070205080204" pitchFamily="49" charset="-128"/>
-                        </a:rPr>
-                        <a:t>ID</a:t>
-                      </a:r>
+                        <a:rPr lang="en-US" altLang="ja-JP" sz="2000" dirty="0">
+                          <a:effectLst/>
+                          <a:latin typeface="ＭＳ ゴシック" panose="020B0609070205080204" pitchFamily="49" charset="-128"/>
+                          <a:ea typeface="ＭＳ ゴシック" panose="020B0609070205080204" pitchFamily="49" charset="-128"/>
+                        </a:rPr>
+                        <a:t> * </a:t>
+                      </a:r>
+                      <a:r>
+                        <a:rPr lang="ja-JP" altLang="en-US" sz="2000" dirty="0">
+                          <a:effectLst/>
+                          <a:latin typeface="ＭＳ ゴシック" panose="020B0609070205080204" pitchFamily="49" charset="-128"/>
+                          <a:ea typeface="ＭＳ ゴシック" panose="020B0609070205080204" pitchFamily="49" charset="-128"/>
+                        </a:rPr>
+                        <a:t>投稿タイトル</a:t>
+                      </a:r>
+                      <a:endParaRPr kumimoji="1" lang="en-US" altLang="ja-JP" sz="2000" b="0" dirty="0">
+                        <a:effectLst/>
+                        <a:latin typeface="ＭＳ ゴシック" panose="020B0609070205080204" pitchFamily="49" charset="-128"/>
+                        <a:ea typeface="ＭＳ ゴシック" panose="020B0609070205080204" pitchFamily="49" charset="-128"/>
+                      </a:endParaRPr>
                     </a:p>
                     <a:p>
                       <a:r>
-                        <a:rPr lang="ja-JP" altLang="en-US" sz="2000" dirty="0">
+                        <a:rPr kumimoji="1" lang="ja-JP" altLang="en-US" sz="2000" b="0" dirty="0">
                           <a:effectLst/>
                           <a:latin typeface="ＭＳ ゴシック" panose="020B0609070205080204" pitchFamily="49" charset="-128"/>
                           <a:ea typeface="ＭＳ ゴシック" panose="020B0609070205080204" pitchFamily="49" charset="-128"/>
@@ -4137,7 +4126,7 @@
                         <a:t> </a:t>
                       </a:r>
                       <a:r>
-                        <a:rPr lang="en-US" altLang="ja-JP" sz="2000" dirty="0">
+                        <a:rPr kumimoji="1" lang="en-US" altLang="ja-JP" sz="2000" b="0" dirty="0">
                           <a:effectLst/>
                           <a:latin typeface="ＭＳ ゴシック" panose="020B0609070205080204" pitchFamily="49" charset="-128"/>
                           <a:ea typeface="ＭＳ ゴシック" panose="020B0609070205080204" pitchFamily="49" charset="-128"/>
@@ -4145,12 +4134,20 @@
                         <a:t>* </a:t>
                       </a:r>
                       <a:r>
-                        <a:rPr lang="ja-JP" altLang="en-US" sz="2000" dirty="0">
-                          <a:effectLst/>
-                          <a:latin typeface="ＭＳ ゴシック" panose="020B0609070205080204" pitchFamily="49" charset="-128"/>
-                          <a:ea typeface="ＭＳ ゴシック" panose="020B0609070205080204" pitchFamily="49" charset="-128"/>
-                        </a:rPr>
-                        <a:t>投稿タイトル</a:t>
+                        <a:rPr kumimoji="1" lang="ja-JP" altLang="en-US" sz="2000" b="0" dirty="0">
+                          <a:effectLst/>
+                          <a:latin typeface="ＭＳ ゴシック" panose="020B0609070205080204" pitchFamily="49" charset="-128"/>
+                          <a:ea typeface="ＭＳ ゴシック" panose="020B0609070205080204" pitchFamily="49" charset="-128"/>
+                        </a:rPr>
+                        <a:t>地域</a:t>
+                      </a:r>
+                      <a:r>
+                        <a:rPr kumimoji="1" lang="en-US" altLang="ja-JP" sz="2000" b="0">
+                          <a:effectLst/>
+                          <a:latin typeface="ＭＳ ゴシック" panose="020B0609070205080204" pitchFamily="49" charset="-128"/>
+                          <a:ea typeface="ＭＳ ゴシック" panose="020B0609070205080204" pitchFamily="49" charset="-128"/>
+                        </a:rPr>
+                        <a:t>ID</a:t>
                       </a:r>
                       <a:endParaRPr lang="en-US" altLang="ja-JP" sz="2000" dirty="0">
                         <a:effectLst/>
@@ -4191,28 +4188,20 @@
                     </a:p>
                     <a:p>
                       <a:r>
+                        <a:rPr lang="en-US" altLang="ja-JP" sz="2000" dirty="0">
+                          <a:effectLst/>
+                          <a:latin typeface="ＭＳ ゴシック" panose="020B0609070205080204" pitchFamily="49" charset="-128"/>
+                          <a:ea typeface="ＭＳ ゴシック" panose="020B0609070205080204" pitchFamily="49" charset="-128"/>
+                        </a:rPr>
+                        <a:t> o </a:t>
+                      </a:r>
+                      <a:r>
                         <a:rPr lang="ja-JP" altLang="en-US" sz="2000" dirty="0">
                           <a:effectLst/>
                           <a:latin typeface="ＭＳ ゴシック" panose="020B0609070205080204" pitchFamily="49" charset="-128"/>
                           <a:ea typeface="ＭＳ ゴシック" panose="020B0609070205080204" pitchFamily="49" charset="-128"/>
                         </a:rPr>
-                        <a:t> </a:t>
-                      </a:r>
-                      <a:r>
-                        <a:rPr lang="en-US" altLang="ja-JP" sz="2000" dirty="0">
-                          <a:effectLst/>
-                          <a:latin typeface="ＭＳ ゴシック" panose="020B0609070205080204" pitchFamily="49" charset="-128"/>
-                          <a:ea typeface="ＭＳ ゴシック" panose="020B0609070205080204" pitchFamily="49" charset="-128"/>
-                        </a:rPr>
-                        <a:t>* </a:t>
-                      </a:r>
-                      <a:r>
-                        <a:rPr lang="ja-JP" altLang="en-US" sz="2000" dirty="0">
-                          <a:effectLst/>
-                          <a:latin typeface="ＭＳ ゴシック" panose="020B0609070205080204" pitchFamily="49" charset="-128"/>
-                          <a:ea typeface="ＭＳ ゴシック" panose="020B0609070205080204" pitchFamily="49" charset="-128"/>
-                        </a:rPr>
-                        <a:t>投稿日時</a:t>
+                        <a:t>リンクテキスト</a:t>
                       </a:r>
                       <a:endParaRPr lang="en-US" altLang="ja-JP" sz="2000" dirty="0">
                         <a:effectLst/>
@@ -4220,188 +4209,45 @@
                         <a:ea typeface="ＭＳ ゴシック" panose="020B0609070205080204" pitchFamily="49" charset="-128"/>
                       </a:endParaRPr>
                     </a:p>
-                  </a:txBody>
-                  <a:tcPr>
-                    <a:lnL w="12700" cap="flat" cmpd="sng" algn="ctr">
-                      <a:solidFill>
-                        <a:schemeClr val="tx1"/>
-                      </a:solidFill>
-                      <a:prstDash val="solid"/>
-                      <a:round/>
-                      <a:headEnd type="none" w="med" len="med"/>
-                      <a:tailEnd type="none" w="med" len="med"/>
-                    </a:lnL>
-                    <a:lnR w="12700" cap="flat" cmpd="sng" algn="ctr">
-                      <a:solidFill>
-                        <a:schemeClr val="tx1"/>
-                      </a:solidFill>
-                      <a:prstDash val="solid"/>
-                      <a:round/>
-                      <a:headEnd type="none" w="med" len="med"/>
-                      <a:tailEnd type="none" w="med" len="med"/>
-                    </a:lnR>
-                    <a:lnT w="12700" cap="flat" cmpd="sng" algn="ctr">
-                      <a:solidFill>
-                        <a:schemeClr val="tx1"/>
-                      </a:solidFill>
-                      <a:prstDash val="solid"/>
-                      <a:round/>
-                      <a:headEnd type="none" w="med" len="med"/>
-                      <a:tailEnd type="none" w="med" len="med"/>
-                    </a:lnT>
-                    <a:lnB w="12700" cap="flat" cmpd="sng" algn="ctr">
-                      <a:solidFill>
-                        <a:schemeClr val="tx1"/>
-                      </a:solidFill>
-                      <a:prstDash val="solid"/>
-                      <a:round/>
-                      <a:headEnd type="none" w="med" len="med"/>
-                      <a:tailEnd type="none" w="med" len="med"/>
-                    </a:lnB>
-                    <a:solidFill>
-                      <a:schemeClr val="bg1"/>
-                    </a:solidFill>
-                  </a:tcPr>
-                </a:tc>
-                <a:extLst>
-                  <a:ext uri="{0D108BD9-81ED-4DB2-BD59-A6C34878D82A}">
-                    <a16:rowId xmlns:a16="http://schemas.microsoft.com/office/drawing/2014/main" val="10001"/>
-                  </a:ext>
-                </a:extLst>
-              </a:tr>
-            </a:tbl>
-          </a:graphicData>
-        </a:graphic>
-      </p:graphicFrame>
-      <p:graphicFrame>
-        <p:nvGraphicFramePr>
-          <p:cNvPr id="33" name="表 32">
-            <a:extLst>
-              <a:ext uri="{FF2B5EF4-FFF2-40B4-BE49-F238E27FC236}">
-                <a16:creationId xmlns:a16="http://schemas.microsoft.com/office/drawing/2014/main" id="{04EC0B44-06E3-43C5-E196-83330CC3E76D}"/>
-              </a:ext>
-            </a:extLst>
-          </p:cNvPr>
-          <p:cNvGraphicFramePr>
-            <a:graphicFrameLocks noGrp="1"/>
-          </p:cNvGraphicFramePr>
-          <p:nvPr>
-            <p:extLst>
-              <p:ext uri="{D42A27DB-BD31-4B8C-83A1-F6EECF244321}">
-                <p14:modId xmlns:p14="http://schemas.microsoft.com/office/powerpoint/2010/main" val="4236374001"/>
-              </p:ext>
-            </p:extLst>
-          </p:nvPr>
-        </p:nvGraphicFramePr>
-        <p:xfrm>
-          <a:off x="11566725" y="8237391"/>
-          <a:ext cx="2660606" cy="1402080"/>
-        </p:xfrm>
-        <a:graphic>
-          <a:graphicData uri="http://schemas.openxmlformats.org/drawingml/2006/table">
-            <a:tbl>
-              <a:tblPr firstRow="1" bandRow="1">
-                <a:tableStyleId>{5C22544A-7EE6-4342-B048-85BDC9FD1C3A}</a:tableStyleId>
-              </a:tblPr>
-              <a:tblGrid>
-                <a:gridCol w="2660606">
-                  <a:extLst>
-                    <a:ext uri="{9D8B030D-6E8A-4147-A177-3AD203B41FA5}">
-                      <a16:colId xmlns:a16="http://schemas.microsoft.com/office/drawing/2014/main" val="20000"/>
-                    </a:ext>
-                  </a:extLst>
-                </a:gridCol>
-              </a:tblGrid>
-              <a:tr h="0">
-                <a:tc>
-                  <a:txBody>
-                    <a:bodyPr/>
-                    <a:lstStyle/>
                     <a:p>
-                      <a:pPr algn="ctr"/>
-                      <a:r>
-                        <a:rPr kumimoji="1" lang="ja-JP" altLang="en-US" sz="2000" b="0" dirty="0">
-                          <a:solidFill>
-                            <a:schemeClr val="tx1"/>
-                          </a:solidFill>
-                          <a:latin typeface="ＭＳ ゴシック" panose="020B0609070205080204" pitchFamily="49" charset="-128"/>
-                          <a:ea typeface="ＭＳ ゴシック" panose="020B0609070205080204" pitchFamily="49" charset="-128"/>
-                        </a:rPr>
-                        <a:t>リンク</a:t>
-                      </a:r>
-                      <a:endParaRPr kumimoji="1" lang="en-US" altLang="ja-JP" sz="2000" b="0" dirty="0">
-                        <a:solidFill>
-                          <a:schemeClr val="tx1"/>
-                        </a:solidFill>
+                      <a:r>
+                        <a:rPr lang="en-US" altLang="ja-JP" sz="2000" dirty="0">
+                          <a:effectLst/>
+                          <a:latin typeface="ＭＳ ゴシック" panose="020B0609070205080204" pitchFamily="49" charset="-128"/>
+                          <a:ea typeface="ＭＳ ゴシック" panose="020B0609070205080204" pitchFamily="49" charset="-128"/>
+                        </a:rPr>
+                        <a:t> o </a:t>
+                      </a:r>
+                      <a:r>
+                        <a:rPr lang="ja-JP" altLang="en-US" sz="2000" dirty="0">
+                          <a:effectLst/>
+                          <a:latin typeface="ＭＳ ゴシック" panose="020B0609070205080204" pitchFamily="49" charset="-128"/>
+                          <a:ea typeface="ＭＳ ゴシック" panose="020B0609070205080204" pitchFamily="49" charset="-128"/>
+                        </a:rPr>
+                        <a:t>フリーテキスト</a:t>
+                      </a:r>
+                      <a:endParaRPr lang="en-US" altLang="ja-JP" sz="2000" dirty="0">
+                        <a:effectLst/>
                         <a:latin typeface="ＭＳ ゴシック" panose="020B0609070205080204" pitchFamily="49" charset="-128"/>
                         <a:ea typeface="ＭＳ ゴシック" panose="020B0609070205080204" pitchFamily="49" charset="-128"/>
                       </a:endParaRPr>
                     </a:p>
-                  </a:txBody>
-                  <a:tcPr>
-                    <a:lnL w="12700" cap="flat" cmpd="sng" algn="ctr">
-                      <a:solidFill>
-                        <a:schemeClr val="tx1"/>
-                      </a:solidFill>
-                      <a:prstDash val="solid"/>
-                      <a:round/>
-                      <a:headEnd type="none" w="med" len="med"/>
-                      <a:tailEnd type="none" w="med" len="med"/>
-                    </a:lnL>
-                    <a:lnR w="12700" cap="flat" cmpd="sng" algn="ctr">
-                      <a:solidFill>
-                        <a:schemeClr val="tx1"/>
-                      </a:solidFill>
-                      <a:prstDash val="solid"/>
-                      <a:round/>
-                      <a:headEnd type="none" w="med" len="med"/>
-                      <a:tailEnd type="none" w="med" len="med"/>
-                    </a:lnR>
-                    <a:lnT w="12700" cap="flat" cmpd="sng" algn="ctr">
-                      <a:solidFill>
-                        <a:schemeClr val="tx1"/>
-                      </a:solidFill>
-                      <a:prstDash val="solid"/>
-                      <a:round/>
-                      <a:headEnd type="none" w="med" len="med"/>
-                      <a:tailEnd type="none" w="med" len="med"/>
-                    </a:lnT>
-                    <a:lnB w="12700" cap="flat" cmpd="sng" algn="ctr">
-                      <a:solidFill>
-                        <a:schemeClr val="tx1"/>
-                      </a:solidFill>
-                      <a:prstDash val="solid"/>
-                      <a:round/>
-                      <a:headEnd type="none" w="med" len="med"/>
-                      <a:tailEnd type="none" w="med" len="med"/>
-                    </a:lnB>
-                    <a:solidFill>
-                      <a:schemeClr val="accent5">
-                        <a:lumMod val="40000"/>
-                        <a:lumOff val="60000"/>
-                      </a:schemeClr>
-                    </a:solidFill>
-                  </a:tcPr>
-                </a:tc>
-                <a:extLst>
-                  <a:ext uri="{0D108BD9-81ED-4DB2-BD59-A6C34878D82A}">
-                    <a16:rowId xmlns:a16="http://schemas.microsoft.com/office/drawing/2014/main" val="10000"/>
-                  </a:ext>
-                </a:extLst>
-              </a:tr>
-              <a:tr h="637805">
-                <a:tc>
-                  <a:txBody>
-                    <a:bodyPr/>
-                    <a:lstStyle/>
                     <a:p>
                       <a:r>
+                        <a:rPr lang="ja-JP" altLang="en-US" sz="2000" dirty="0">
+                          <a:effectLst/>
+                          <a:latin typeface="ＭＳ ゴシック" panose="020B0609070205080204" pitchFamily="49" charset="-128"/>
+                          <a:ea typeface="ＭＳ ゴシック" panose="020B0609070205080204" pitchFamily="49" charset="-128"/>
+                        </a:rPr>
+                        <a:t> </a:t>
+                      </a:r>
+                      <a:r>
                         <a:rPr lang="en-US" altLang="ja-JP" sz="2000" dirty="0">
                           <a:effectLst/>
                           <a:latin typeface="ＭＳ ゴシック" panose="020B0609070205080204" pitchFamily="49" charset="-128"/>
                           <a:ea typeface="ＭＳ ゴシック" panose="020B0609070205080204" pitchFamily="49" charset="-128"/>
                         </a:rPr>
-                        <a:t>#*</a:t>
+                        <a:t>* </a:t>
                       </a:r>
                       <a:r>
                         <a:rPr lang="ja-JP" altLang="en-US" sz="2000" dirty="0">
@@ -4409,79 +4255,12 @@
                           <a:latin typeface="ＭＳ ゴシック" panose="020B0609070205080204" pitchFamily="49" charset="-128"/>
                           <a:ea typeface="ＭＳ ゴシック" panose="020B0609070205080204" pitchFamily="49" charset="-128"/>
                         </a:rPr>
-                        <a:t> リンク</a:t>
-                      </a:r>
-                      <a:r>
-                        <a:rPr lang="en-US" altLang="ja-JP" sz="2000" dirty="0">
-                          <a:effectLst/>
-                          <a:latin typeface="ＭＳ ゴシック" panose="020B0609070205080204" pitchFamily="49" charset="-128"/>
-                          <a:ea typeface="ＭＳ ゴシック" panose="020B0609070205080204" pitchFamily="49" charset="-128"/>
-                        </a:rPr>
-                        <a:t>ID(PK)</a:t>
-                      </a:r>
-                    </a:p>
-                    <a:p>
-                      <a:r>
-                        <a:rPr lang="ja-JP" altLang="en-US" sz="2000" dirty="0">
-                          <a:effectLst/>
-                          <a:latin typeface="ＭＳ ゴシック" panose="020B0609070205080204" pitchFamily="49" charset="-128"/>
-                          <a:ea typeface="ＭＳ ゴシック" panose="020B0609070205080204" pitchFamily="49" charset="-128"/>
-                        </a:rPr>
-                        <a:t> </a:t>
-                      </a:r>
-                      <a:r>
-                        <a:rPr lang="en-US" altLang="ja-JP" sz="2000" dirty="0">
-                          <a:effectLst/>
-                          <a:latin typeface="ＭＳ ゴシック" panose="020B0609070205080204" pitchFamily="49" charset="-128"/>
-                          <a:ea typeface="ＭＳ ゴシック" panose="020B0609070205080204" pitchFamily="49" charset="-128"/>
-                        </a:rPr>
-                        <a:t>*</a:t>
-                      </a:r>
-                      <a:r>
-                        <a:rPr lang="ja-JP" altLang="en-US" sz="2000" dirty="0">
-                          <a:effectLst/>
-                          <a:latin typeface="ＭＳ ゴシック" panose="020B0609070205080204" pitchFamily="49" charset="-128"/>
-                          <a:ea typeface="ＭＳ ゴシック" panose="020B0609070205080204" pitchFamily="49" charset="-128"/>
-                        </a:rPr>
-                        <a:t> 投稿</a:t>
-                      </a:r>
-                      <a:r>
-                        <a:rPr lang="en-US" altLang="ja-JP" sz="2000" dirty="0">
-                          <a:effectLst/>
-                          <a:latin typeface="ＭＳ ゴシック" panose="020B0609070205080204" pitchFamily="49" charset="-128"/>
-                          <a:ea typeface="ＭＳ ゴシック" panose="020B0609070205080204" pitchFamily="49" charset="-128"/>
-                        </a:rPr>
-                        <a:t>ID(FK)</a:t>
-                      </a:r>
-                    </a:p>
-                    <a:p>
-                      <a:r>
-                        <a:rPr kumimoji="1" lang="ja-JP" altLang="en-US" sz="2000" b="0" dirty="0">
-                          <a:effectLst/>
-                          <a:latin typeface="ＭＳ ゴシック" panose="020B0609070205080204" pitchFamily="49" charset="-128"/>
-                          <a:ea typeface="ＭＳ ゴシック" panose="020B0609070205080204" pitchFamily="49" charset="-128"/>
-                        </a:rPr>
-                        <a:t> </a:t>
-                      </a:r>
-                      <a:r>
-                        <a:rPr kumimoji="1" lang="en-US" altLang="ja-JP" sz="2000" b="0" dirty="0">
-                          <a:effectLst/>
-                          <a:latin typeface="ＭＳ ゴシック" panose="020B0609070205080204" pitchFamily="49" charset="-128"/>
-                          <a:ea typeface="ＭＳ ゴシック" panose="020B0609070205080204" pitchFamily="49" charset="-128"/>
-                        </a:rPr>
-                        <a:t>* </a:t>
-                      </a:r>
-                      <a:r>
-                        <a:rPr kumimoji="1" lang="ja-JP" altLang="en-US" sz="2000" b="0" dirty="0">
-                          <a:effectLst/>
-                          <a:latin typeface="ＭＳ ゴシック" panose="020B0609070205080204" pitchFamily="49" charset="-128"/>
-                          <a:ea typeface="ＭＳ ゴシック" panose="020B0609070205080204" pitchFamily="49" charset="-128"/>
-                        </a:rPr>
-                        <a:t>リンクテキスト</a:t>
-                      </a:r>
-                      <a:endParaRPr kumimoji="1" lang="en-US" altLang="ja-JP" sz="2000" b="0" dirty="0">
-                        <a:latin typeface="ＭＳ ゴシック" pitchFamily="49" charset="-128"/>
-                        <a:ea typeface="ＭＳ ゴシック" pitchFamily="49" charset="-128"/>
+                        <a:t>投稿日時</a:t>
+                      </a:r>
+                      <a:endParaRPr lang="en-US" altLang="ja-JP" sz="2000" dirty="0">
+                        <a:effectLst/>
+                        <a:latin typeface="ＭＳ ゴシック" panose="020B0609070205080204" pitchFamily="49" charset="-128"/>
+                        <a:ea typeface="ＭＳ ゴシック" panose="020B0609070205080204" pitchFamily="49" charset="-128"/>
                       </a:endParaRPr>
                     </a:p>
                   </a:txBody>
@@ -4824,13 +4603,13 @@
           <p:nvPr>
             <p:extLst>
               <p:ext uri="{D42A27DB-BD31-4B8C-83A1-F6EECF244321}">
-                <p14:modId xmlns:p14="http://schemas.microsoft.com/office/powerpoint/2010/main" val="2853769219"/>
+                <p14:modId xmlns:p14="http://schemas.microsoft.com/office/powerpoint/2010/main" val="2601967984"/>
               </p:ext>
             </p:extLst>
           </p:nvPr>
         </p:nvGraphicFramePr>
         <p:xfrm>
-          <a:off x="7853485" y="9938819"/>
+          <a:off x="11564832" y="5257591"/>
           <a:ext cx="2664394" cy="1706880"/>
         </p:xfrm>
         <a:graphic>
@@ -5010,7 +4789,7 @@
                           <a:latin typeface="ＭＳ ゴシック" panose="020B0609070205080204" pitchFamily="49" charset="-128"/>
                           <a:ea typeface="ＭＳ ゴシック" panose="020B0609070205080204" pitchFamily="49" charset="-128"/>
                         </a:rPr>
-                        <a:t>o</a:t>
+                        <a:t>*</a:t>
                       </a:r>
                       <a:r>
                         <a:rPr lang="ja-JP" altLang="en-US" sz="2000" dirty="0">
@@ -5488,15 +5267,15 @@
           </p:cNvPr>
           <p:cNvCxnSpPr>
             <a:cxnSpLocks/>
-            <a:stCxn id="5" idx="0"/>
-            <a:endCxn id="10" idx="2"/>
+            <a:stCxn id="5" idx="1"/>
+            <a:endCxn id="10" idx="3"/>
           </p:cNvCxnSpPr>
           <p:nvPr/>
         </p:nvCxnSpPr>
         <p:spPr>
-          <a:xfrm flipV="1">
-            <a:off x="9185682" y="6975877"/>
-            <a:ext cx="1895" cy="2962942"/>
+          <a:xfrm flipH="1">
+            <a:off x="10519774" y="6111031"/>
+            <a:ext cx="1045058" cy="0"/>
           </a:xfrm>
           <a:prstGeom prst="straightConnector1">
             <a:avLst/>
@@ -5582,13 +5361,15 @@
           </p:cNvPr>
           <p:cNvCxnSpPr>
             <a:cxnSpLocks/>
+            <a:stCxn id="9" idx="0"/>
+            <a:endCxn id="10" idx="2"/>
           </p:cNvCxnSpPr>
           <p:nvPr/>
         </p:nvCxnSpPr>
         <p:spPr>
           <a:xfrm flipV="1">
-            <a:off x="6296628" y="6975877"/>
-            <a:ext cx="1931190" cy="1256062"/>
+            <a:off x="9187577" y="7585477"/>
+            <a:ext cx="0" cy="1558272"/>
           </a:xfrm>
           <a:prstGeom prst="straightConnector1">
             <a:avLst/>
@@ -6137,46 +5918,6 @@
           <a:xfrm flipH="1">
             <a:off x="1657921" y="2466124"/>
             <a:ext cx="4973" cy="2170462"/>
-          </a:xfrm>
-          <a:prstGeom prst="line">
-            <a:avLst/>
-          </a:prstGeom>
-          <a:ln w="38100"/>
-        </p:spPr>
-        <p:style>
-          <a:lnRef idx="1">
-            <a:schemeClr val="dk1"/>
-          </a:lnRef>
-          <a:fillRef idx="0">
-            <a:schemeClr val="dk1"/>
-          </a:fillRef>
-          <a:effectRef idx="0">
-            <a:schemeClr val="dk1"/>
-          </a:effectRef>
-          <a:fontRef idx="minor">
-            <a:schemeClr val="tx1"/>
-          </a:fontRef>
-        </p:style>
-      </p:cxnSp>
-      <p:cxnSp>
-        <p:nvCxnSpPr>
-          <p:cNvPr id="3" name="直線コネクタ 2">
-            <a:extLst>
-              <a:ext uri="{FF2B5EF4-FFF2-40B4-BE49-F238E27FC236}">
-                <a16:creationId xmlns:a16="http://schemas.microsoft.com/office/drawing/2014/main" id="{A79FD480-882E-0322-6983-099595933064}"/>
-              </a:ext>
-            </a:extLst>
-          </p:cNvPr>
-          <p:cNvCxnSpPr>
-            <a:cxnSpLocks/>
-            <a:endCxn id="33" idx="0"/>
-          </p:cNvCxnSpPr>
-          <p:nvPr/>
-        </p:nvCxnSpPr>
-        <p:spPr>
-          <a:xfrm>
-            <a:off x="10113045" y="6975877"/>
-            <a:ext cx="2783983" cy="1261514"/>
           </a:xfrm>
           <a:prstGeom prst="line">
             <a:avLst/>

--- a/05ドキュメント/データベース/概念データモデル.pptx
+++ b/05ドキュメント/データベース/概念データモデル.pptx
@@ -243,7 +243,7 @@
           <a:p>
             <a:fld id="{671059BB-3F16-4E26-85EA-CCCF91169BF5}" type="datetimeFigureOut">
               <a:rPr kumimoji="1" lang="ja-JP" altLang="en-US" smtClean="0"/>
-              <a:t>2023/9/26</a:t>
+              <a:t>2024/1/15</a:t>
             </a:fld>
             <a:endParaRPr kumimoji="1" lang="ja-JP" altLang="en-US"/>
           </a:p>
@@ -445,7 +445,7 @@
           <a:p>
             <a:fld id="{671059BB-3F16-4E26-85EA-CCCF91169BF5}" type="datetimeFigureOut">
               <a:rPr kumimoji="1" lang="ja-JP" altLang="en-US" smtClean="0"/>
-              <a:t>2023/9/26</a:t>
+              <a:t>2024/1/15</a:t>
             </a:fld>
             <a:endParaRPr kumimoji="1" lang="ja-JP" altLang="en-US"/>
           </a:p>
@@ -657,7 +657,7 @@
           <a:p>
             <a:fld id="{671059BB-3F16-4E26-85EA-CCCF91169BF5}" type="datetimeFigureOut">
               <a:rPr kumimoji="1" lang="ja-JP" altLang="en-US" smtClean="0"/>
-              <a:t>2023/9/26</a:t>
+              <a:t>2024/1/15</a:t>
             </a:fld>
             <a:endParaRPr kumimoji="1" lang="ja-JP" altLang="en-US"/>
           </a:p>
@@ -859,7 +859,7 @@
           <a:p>
             <a:fld id="{671059BB-3F16-4E26-85EA-CCCF91169BF5}" type="datetimeFigureOut">
               <a:rPr kumimoji="1" lang="ja-JP" altLang="en-US" smtClean="0"/>
-              <a:t>2023/9/26</a:t>
+              <a:t>2024/1/15</a:t>
             </a:fld>
             <a:endParaRPr kumimoji="1" lang="ja-JP" altLang="en-US"/>
           </a:p>
@@ -1103,7 +1103,7 @@
           <a:p>
             <a:fld id="{671059BB-3F16-4E26-85EA-CCCF91169BF5}" type="datetimeFigureOut">
               <a:rPr kumimoji="1" lang="ja-JP" altLang="en-US" smtClean="0"/>
-              <a:t>2023/9/26</a:t>
+              <a:t>2024/1/15</a:t>
             </a:fld>
             <a:endParaRPr kumimoji="1" lang="ja-JP" altLang="en-US"/>
           </a:p>
@@ -1399,7 +1399,7 @@
           <a:p>
             <a:fld id="{671059BB-3F16-4E26-85EA-CCCF91169BF5}" type="datetimeFigureOut">
               <a:rPr kumimoji="1" lang="ja-JP" altLang="en-US" smtClean="0"/>
-              <a:t>2023/9/26</a:t>
+              <a:t>2024/1/15</a:t>
             </a:fld>
             <a:endParaRPr kumimoji="1" lang="ja-JP" altLang="en-US"/>
           </a:p>
@@ -1830,7 +1830,7 @@
           <a:p>
             <a:fld id="{671059BB-3F16-4E26-85EA-CCCF91169BF5}" type="datetimeFigureOut">
               <a:rPr kumimoji="1" lang="ja-JP" altLang="en-US" smtClean="0"/>
-              <a:t>2023/9/26</a:t>
+              <a:t>2024/1/15</a:t>
             </a:fld>
             <a:endParaRPr kumimoji="1" lang="ja-JP" altLang="en-US"/>
           </a:p>
@@ -1948,7 +1948,7 @@
           <a:p>
             <a:fld id="{671059BB-3F16-4E26-85EA-CCCF91169BF5}" type="datetimeFigureOut">
               <a:rPr kumimoji="1" lang="ja-JP" altLang="en-US" smtClean="0"/>
-              <a:t>2023/9/26</a:t>
+              <a:t>2024/1/15</a:t>
             </a:fld>
             <a:endParaRPr kumimoji="1" lang="ja-JP" altLang="en-US"/>
           </a:p>
@@ -2043,7 +2043,7 @@
           <a:p>
             <a:fld id="{671059BB-3F16-4E26-85EA-CCCF91169BF5}" type="datetimeFigureOut">
               <a:rPr kumimoji="1" lang="ja-JP" altLang="en-US" smtClean="0"/>
-              <a:t>2023/9/26</a:t>
+              <a:t>2024/1/15</a:t>
             </a:fld>
             <a:endParaRPr kumimoji="1" lang="ja-JP" altLang="en-US"/>
           </a:p>
@@ -2352,7 +2352,7 @@
           <a:p>
             <a:fld id="{671059BB-3F16-4E26-85EA-CCCF91169BF5}" type="datetimeFigureOut">
               <a:rPr kumimoji="1" lang="ja-JP" altLang="en-US" smtClean="0"/>
-              <a:t>2023/9/26</a:t>
+              <a:t>2024/1/15</a:t>
             </a:fld>
             <a:endParaRPr kumimoji="1" lang="ja-JP" altLang="en-US"/>
           </a:p>
@@ -2609,7 +2609,7 @@
           <a:p>
             <a:fld id="{671059BB-3F16-4E26-85EA-CCCF91169BF5}" type="datetimeFigureOut">
               <a:rPr kumimoji="1" lang="ja-JP" altLang="en-US" smtClean="0"/>
-              <a:t>2023/9/26</a:t>
+              <a:t>2024/1/15</a:t>
             </a:fld>
             <a:endParaRPr kumimoji="1" lang="ja-JP" altLang="en-US"/>
           </a:p>
@@ -2854,7 +2854,7 @@
           <a:p>
             <a:fld id="{671059BB-3F16-4E26-85EA-CCCF91169BF5}" type="datetimeFigureOut">
               <a:rPr kumimoji="1" lang="ja-JP" altLang="en-US" smtClean="0"/>
-              <a:t>2023/9/26</a:t>
+              <a:t>2024/1/15</a:t>
             </a:fld>
             <a:endParaRPr kumimoji="1" lang="ja-JP" altLang="en-US"/>
           </a:p>
@@ -3274,7 +3274,7 @@
           <p:nvPr>
             <p:extLst>
               <p:ext uri="{D42A27DB-BD31-4B8C-83A1-F6EECF244321}">
-                <p14:modId xmlns:p14="http://schemas.microsoft.com/office/powerpoint/2010/main" val="3097183568"/>
+                <p14:modId xmlns:p14="http://schemas.microsoft.com/office/powerpoint/2010/main" val="3237086914"/>
               </p:ext>
             </p:extLst>
           </p:nvPr>
@@ -3398,61 +3398,12 @@
                         <a:t> ユーザ</a:t>
                       </a:r>
                       <a:r>
-                        <a:rPr lang="en-US" altLang="ja-JP" sz="2000" b="0" dirty="0">
-                          <a:effectLst/>
-                          <a:latin typeface="ＭＳ ゴシック" panose="020B0609070205080204" pitchFamily="49" charset="-128"/>
-                          <a:ea typeface="ＭＳ ゴシック" panose="020B0609070205080204" pitchFamily="49" charset="-128"/>
-                        </a:rPr>
-                        <a:t>ID</a:t>
-                      </a:r>
-                    </a:p>
-                    <a:p>
-                      <a:r>
-                        <a:rPr lang="ja-JP" altLang="en-US" sz="2000" b="0" dirty="0">
-                          <a:effectLst/>
-                          <a:latin typeface="ＭＳ ゴシック" panose="020B0609070205080204" pitchFamily="49" charset="-128"/>
-                          <a:ea typeface="ＭＳ ゴシック" panose="020B0609070205080204" pitchFamily="49" charset="-128"/>
-                        </a:rPr>
-                        <a:t> </a:t>
-                      </a:r>
-                      <a:r>
-                        <a:rPr lang="en-US" altLang="ja-JP" sz="2000" b="0" dirty="0">
-                          <a:effectLst/>
-                          <a:latin typeface="ＭＳ ゴシック" panose="020B0609070205080204" pitchFamily="49" charset="-128"/>
-                          <a:ea typeface="ＭＳ ゴシック" panose="020B0609070205080204" pitchFamily="49" charset="-128"/>
-                        </a:rPr>
-                        <a:t>* </a:t>
-                      </a:r>
-                      <a:r>
-                        <a:rPr lang="ja-JP" altLang="en-US" sz="2000" b="0" dirty="0">
-                          <a:effectLst/>
-                          <a:latin typeface="ＭＳ ゴシック" panose="020B0609070205080204" pitchFamily="49" charset="-128"/>
-                          <a:ea typeface="ＭＳ ゴシック" panose="020B0609070205080204" pitchFamily="49" charset="-128"/>
-                        </a:rPr>
-                        <a:t>メールアドレス</a:t>
-                      </a:r>
-                      <a:br>
-                        <a:rPr lang="en-US" altLang="ja-JP" sz="2000" b="0" dirty="0">
-                          <a:effectLst/>
-                          <a:latin typeface="ＭＳ ゴシック" panose="020B0609070205080204" pitchFamily="49" charset="-128"/>
-                          <a:ea typeface="ＭＳ ゴシック" panose="020B0609070205080204" pitchFamily="49" charset="-128"/>
-                        </a:rPr>
-                      </a:br>
-                      <a:r>
-                        <a:rPr lang="en-US" altLang="ja-JP" sz="2000" b="0" dirty="0">
-                          <a:effectLst/>
-                          <a:latin typeface="ＭＳ ゴシック" panose="020B0609070205080204" pitchFamily="49" charset="-128"/>
-                          <a:ea typeface="ＭＳ ゴシック" panose="020B0609070205080204" pitchFamily="49" charset="-128"/>
-                        </a:rPr>
-                        <a:t> * </a:t>
-                      </a:r>
-                      <a:r>
-                        <a:rPr lang="ja-JP" altLang="en-US" sz="2000" b="0" dirty="0">
-                          <a:effectLst/>
-                          <a:latin typeface="ＭＳ ゴシック" panose="020B0609070205080204" pitchFamily="49" charset="-128"/>
-                          <a:ea typeface="ＭＳ ゴシック" panose="020B0609070205080204" pitchFamily="49" charset="-128"/>
-                        </a:rPr>
-                        <a:t>パスワード</a:t>
+                        <a:rPr lang="en-US" altLang="ja-JP" sz="2000" b="0">
+                          <a:effectLst/>
+                          <a:latin typeface="ＭＳ ゴシック" panose="020B0609070205080204" pitchFamily="49" charset="-128"/>
+                          <a:ea typeface="ＭＳ ゴシック" panose="020B0609070205080204" pitchFamily="49" charset="-128"/>
+                        </a:rPr>
+                        <a:t>ID(PK)</a:t>
                       </a:r>
                       <a:endParaRPr lang="en-US" altLang="ja-JP" sz="2000" b="0" dirty="0">
                         <a:effectLst/>
@@ -3483,7 +3434,30 @@
                           <a:latin typeface="ＭＳ ゴシック" panose="020B0609070205080204" pitchFamily="49" charset="-128"/>
                           <a:ea typeface="ＭＳ ゴシック" panose="020B0609070205080204" pitchFamily="49" charset="-128"/>
                         </a:rPr>
-                        <a:t>ユーザ名</a:t>
+                        <a:t>メールアドレス</a:t>
+                      </a:r>
+                      <a:br>
+                        <a:rPr lang="en-US" altLang="ja-JP" sz="2000" b="0" dirty="0">
+                          <a:effectLst/>
+                          <a:latin typeface="ＭＳ ゴシック" panose="020B0609070205080204" pitchFamily="49" charset="-128"/>
+                          <a:ea typeface="ＭＳ ゴシック" panose="020B0609070205080204" pitchFamily="49" charset="-128"/>
+                        </a:rPr>
+                      </a:br>
+                      <a:r>
+                        <a:rPr lang="en-US" altLang="ja-JP" sz="2000" b="0" dirty="0">
+                          <a:effectLst/>
+                          <a:latin typeface="ＭＳ ゴシック" panose="020B0609070205080204" pitchFamily="49" charset="-128"/>
+                          <a:ea typeface="ＭＳ ゴシック" panose="020B0609070205080204" pitchFamily="49" charset="-128"/>
+                        </a:rPr>
+                        <a:t> * </a:t>
+                      </a:r>
+                      <a:r>
+                        <a:rPr lang="ja-JP" altLang="en-US" sz="2000" b="0" dirty="0">
+                          <a:effectLst/>
+                          <a:latin typeface="ＭＳ ゴシック" panose="020B0609070205080204" pitchFamily="49" charset="-128"/>
+                          <a:ea typeface="ＭＳ ゴシック" panose="020B0609070205080204" pitchFamily="49" charset="-128"/>
+                        </a:rPr>
+                        <a:t>パスワード</a:t>
                       </a:r>
                       <a:endParaRPr lang="en-US" altLang="ja-JP" sz="2000" b="0" dirty="0">
                         <a:effectLst/>
@@ -3506,7 +3480,7 @@
                           <a:latin typeface="ＭＳ ゴシック" panose="020B0609070205080204" pitchFamily="49" charset="-128"/>
                           <a:ea typeface="ＭＳ ゴシック" panose="020B0609070205080204" pitchFamily="49" charset="-128"/>
                         </a:rPr>
-                        <a:t>o </a:t>
+                        <a:t>* </a:t>
                       </a:r>
                       <a:r>
                         <a:rPr lang="ja-JP" altLang="en-US" sz="2000" b="0" dirty="0">
@@ -3514,16 +3488,13 @@
                           <a:latin typeface="ＭＳ ゴシック" panose="020B0609070205080204" pitchFamily="49" charset="-128"/>
                           <a:ea typeface="ＭＳ ゴシック" panose="020B0609070205080204" pitchFamily="49" charset="-128"/>
                         </a:rPr>
-                        <a:t>画像</a:t>
-                      </a:r>
-                      <a:r>
-                        <a:rPr lang="en-US" altLang="ja-JP" sz="2000" b="0" dirty="0">
-                          <a:effectLst/>
-                          <a:latin typeface="ＭＳ ゴシック" panose="020B0609070205080204" pitchFamily="49" charset="-128"/>
-                          <a:ea typeface="ＭＳ ゴシック" panose="020B0609070205080204" pitchFamily="49" charset="-128"/>
-                        </a:rPr>
-                        <a:t>ID</a:t>
-                      </a:r>
+                        <a:t>ユーザ名</a:t>
+                      </a:r>
+                      <a:endParaRPr lang="en-US" altLang="ja-JP" sz="2000" b="0" dirty="0">
+                        <a:effectLst/>
+                        <a:latin typeface="ＭＳ ゴシック" panose="020B0609070205080204" pitchFamily="49" charset="-128"/>
+                        <a:ea typeface="ＭＳ ゴシック" panose="020B0609070205080204" pitchFamily="49" charset="-128"/>
+                      </a:endParaRPr>
                     </a:p>
                     <a:p>
                       <a:r>
@@ -3548,6 +3519,40 @@
                           <a:latin typeface="ＭＳ ゴシック" panose="020B0609070205080204" pitchFamily="49" charset="-128"/>
                           <a:ea typeface="ＭＳ ゴシック" panose="020B0609070205080204" pitchFamily="49" charset="-128"/>
                         </a:rPr>
+                        <a:t>画像</a:t>
+                      </a:r>
+                      <a:r>
+                        <a:rPr lang="en-US" altLang="ja-JP" sz="2000" b="0" dirty="0">
+                          <a:effectLst/>
+                          <a:latin typeface="ＭＳ ゴシック" panose="020B0609070205080204" pitchFamily="49" charset="-128"/>
+                          <a:ea typeface="ＭＳ ゴシック" panose="020B0609070205080204" pitchFamily="49" charset="-128"/>
+                        </a:rPr>
+                        <a:t>ID(FK)</a:t>
+                      </a:r>
+                    </a:p>
+                    <a:p>
+                      <a:r>
+                        <a:rPr lang="ja-JP" altLang="en-US" sz="2000" b="0" dirty="0">
+                          <a:effectLst/>
+                          <a:latin typeface="ＭＳ ゴシック" panose="020B0609070205080204" pitchFamily="49" charset="-128"/>
+                          <a:ea typeface="ＭＳ ゴシック" panose="020B0609070205080204" pitchFamily="49" charset="-128"/>
+                        </a:rPr>
+                        <a:t> </a:t>
+                      </a:r>
+                      <a:r>
+                        <a:rPr lang="en-US" altLang="ja-JP" sz="2000" b="0" dirty="0">
+                          <a:effectLst/>
+                          <a:latin typeface="ＭＳ ゴシック" panose="020B0609070205080204" pitchFamily="49" charset="-128"/>
+                          <a:ea typeface="ＭＳ ゴシック" panose="020B0609070205080204" pitchFamily="49" charset="-128"/>
+                        </a:rPr>
+                        <a:t>o </a:t>
+                      </a:r>
+                      <a:r>
+                        <a:rPr lang="ja-JP" altLang="en-US" sz="2000" b="0" dirty="0">
+                          <a:effectLst/>
+                          <a:latin typeface="ＭＳ ゴシック" panose="020B0609070205080204" pitchFamily="49" charset="-128"/>
+                          <a:ea typeface="ＭＳ ゴシック" panose="020B0609070205080204" pitchFamily="49" charset="-128"/>
+                        </a:rPr>
                         <a:t>テキスト</a:t>
                       </a:r>
                       <a:r>
@@ -3556,7 +3561,7 @@
                           <a:latin typeface="ＭＳ ゴシック" panose="020B0609070205080204" pitchFamily="49" charset="-128"/>
                           <a:ea typeface="ＭＳ ゴシック" panose="020B0609070205080204" pitchFamily="49" charset="-128"/>
                         </a:rPr>
-                        <a:t>ID</a:t>
+                        <a:t>ID(FK)</a:t>
                       </a:r>
                     </a:p>
                   </a:txBody>
@@ -3927,7 +3932,7 @@
           <p:nvPr>
             <p:extLst>
               <p:ext uri="{D42A27DB-BD31-4B8C-83A1-F6EECF244321}">
-                <p14:modId xmlns:p14="http://schemas.microsoft.com/office/powerpoint/2010/main" val="3975816002"/>
+                <p14:modId xmlns:p14="http://schemas.microsoft.com/office/powerpoint/2010/main" val="1392659898"/>
               </p:ext>
             </p:extLst>
           </p:nvPr>
@@ -4056,7 +4061,7 @@
                           <a:latin typeface="ＭＳ ゴシック" panose="020B0609070205080204" pitchFamily="49" charset="-128"/>
                           <a:ea typeface="ＭＳ ゴシック" panose="020B0609070205080204" pitchFamily="49" charset="-128"/>
                         </a:rPr>
-                        <a:t>ID</a:t>
+                        <a:t>ID(PK)</a:t>
                       </a:r>
                     </a:p>
                     <a:p>
@@ -4090,7 +4095,7 @@
                           <a:latin typeface="ＭＳ ゴシック" panose="020B0609070205080204" pitchFamily="49" charset="-128"/>
                           <a:ea typeface="ＭＳ ゴシック" panose="020B0609070205080204" pitchFamily="49" charset="-128"/>
                         </a:rPr>
-                        <a:t>ID</a:t>
+                        <a:t>ID(FK)</a:t>
                       </a:r>
                     </a:p>
                     <a:p>
@@ -4142,12 +4147,12 @@
                         <a:t>地域</a:t>
                       </a:r>
                       <a:r>
-                        <a:rPr kumimoji="1" lang="en-US" altLang="ja-JP" sz="2000" b="0">
-                          <a:effectLst/>
-                          <a:latin typeface="ＭＳ ゴシック" panose="020B0609070205080204" pitchFamily="49" charset="-128"/>
-                          <a:ea typeface="ＭＳ ゴシック" panose="020B0609070205080204" pitchFamily="49" charset="-128"/>
-                        </a:rPr>
-                        <a:t>ID</a:t>
+                        <a:rPr kumimoji="1" lang="en-US" altLang="ja-JP" sz="2000" b="0" dirty="0">
+                          <a:effectLst/>
+                          <a:latin typeface="ＭＳ ゴシック" panose="020B0609070205080204" pitchFamily="49" charset="-128"/>
+                          <a:ea typeface="ＭＳ ゴシック" panose="020B0609070205080204" pitchFamily="49" charset="-128"/>
+                        </a:rPr>
+                        <a:t>ID(FK)</a:t>
                       </a:r>
                       <a:endParaRPr lang="en-US" altLang="ja-JP" sz="2000" dirty="0">
                         <a:effectLst/>
@@ -4903,7 +4908,7 @@
           <p:nvPr>
             <p:extLst>
               <p:ext uri="{D42A27DB-BD31-4B8C-83A1-F6EECF244321}">
-                <p14:modId xmlns:p14="http://schemas.microsoft.com/office/powerpoint/2010/main" val="1958594782"/>
+                <p14:modId xmlns:p14="http://schemas.microsoft.com/office/powerpoint/2010/main" val="1759807022"/>
               </p:ext>
             </p:extLst>
           </p:nvPr>
@@ -5032,7 +5037,7 @@
                           <a:latin typeface="ＭＳ ゴシック" panose="020B0609070205080204" pitchFamily="49" charset="-128"/>
                           <a:ea typeface="ＭＳ ゴシック" panose="020B0609070205080204" pitchFamily="49" charset="-128"/>
                         </a:rPr>
-                        <a:t>ID</a:t>
+                        <a:t>ID(PK)</a:t>
                       </a:r>
                     </a:p>
                     <a:p>
